--- a/Week 2/building and running.pptx
+++ b/Week 2/building and running.pptx
@@ -5,7 +5,8 @@
     <p:sldMasterId id="2147483648" r:id="rId1"/>
   </p:sldMasterIdLst>
   <p:sldIdLst>
-    <p:sldId id="256" r:id="rId2"/>
+    <p:sldId id="257" r:id="rId2"/>
+    <p:sldId id="256" r:id="rId3"/>
   </p:sldIdLst>
   <p:sldSz cx="12192000" cy="6858000"/>
   <p:notesSz cx="6858000" cy="9144000"/>
@@ -104,6 +105,11 @@
       </a:defRPr>
     </a:lvl9pPr>
   </p:defaultTextStyle>
+  <p:extLst>
+    <p:ext uri="{EFAFB233-063F-42B5-8137-9DF3F51BA10A}">
+      <p15:sldGuideLst xmlns:p15="http://schemas.microsoft.com/office/powerpoint/2012/main"/>
+    </p:ext>
+  </p:extLst>
 </p:presentation>
 </file>
 
@@ -3371,10 +3377,10 @@
       </p:grpSpPr>
       <p:sp>
         <p:nvSpPr>
-          <p:cNvPr id="5" name="TextBox 4">
-            <a:extLst>
-              <a:ext uri="{FF2B5EF4-FFF2-40B4-BE49-F238E27FC236}">
-                <a16:creationId xmlns:a16="http://schemas.microsoft.com/office/drawing/2014/main" id="{5D48C4CF-FBBF-4C16-B2A7-762741D395F8}"/>
+          <p:cNvPr id="4" name="TextBox 3">
+            <a:extLst>
+              <a:ext uri="{FF2B5EF4-FFF2-40B4-BE49-F238E27FC236}">
+                <a16:creationId xmlns:a16="http://schemas.microsoft.com/office/drawing/2014/main" id="{DC0E0830-AB10-7DA0-DA91-C6F401FF7947}"/>
               </a:ext>
             </a:extLst>
           </p:cNvPr>
@@ -3383,7 +3389,765 @@
         </p:nvSpPr>
         <p:spPr>
           <a:xfrm>
-            <a:off x="282632" y="1178405"/>
+            <a:off x="922711" y="1340428"/>
+            <a:ext cx="7327669" cy="4247317"/>
+          </a:xfrm>
+          <a:prstGeom prst="rect">
+            <a:avLst/>
+          </a:prstGeom>
+          <a:noFill/>
+        </p:spPr>
+        <p:txBody>
+          <a:bodyPr wrap="square" rtlCol="0">
+            <a:spAutoFit/>
+          </a:bodyPr>
+          <a:lstStyle/>
+          <a:p>
+            <a:r>
+              <a:rPr lang="en-GB" dirty="0">
+                <a:sym typeface="Symbol" panose="05050102010706020507" pitchFamily="18" charset="2"/>
+              </a:rPr>
+              <a:t> i</a:t>
+            </a:r>
+            <a:r>
+              <a:rPr lang="en-GB" dirty="0"/>
+              <a:t>mportance of learning code interactively</a:t>
+            </a:r>
+          </a:p>
+          <a:p>
+            <a:r>
+              <a:rPr lang="en-US" dirty="0">
+                <a:solidFill>
+                  <a:schemeClr val="bg1">
+                    <a:lumMod val="85000"/>
+                  </a:schemeClr>
+                </a:solidFill>
+              </a:rPr>
+              <a:t>      learn how to code so we can pass a paper GCSE exam</a:t>
+            </a:r>
+          </a:p>
+          <a:p>
+            <a:r>
+              <a:rPr lang="en-US" dirty="0">
+                <a:solidFill>
+                  <a:schemeClr val="bg1">
+                    <a:lumMod val="85000"/>
+                  </a:schemeClr>
+                </a:solidFill>
+              </a:rPr>
+              <a:t>      exam without computer will be OK</a:t>
+            </a:r>
+          </a:p>
+          <a:p>
+            <a:r>
+              <a:rPr lang="en-US" dirty="0">
+                <a:solidFill>
+                  <a:schemeClr val="bg1">
+                    <a:lumMod val="85000"/>
+                  </a:schemeClr>
+                </a:solidFill>
+              </a:rPr>
+              <a:t>      learning without computer not OK</a:t>
+            </a:r>
+          </a:p>
+          <a:p>
+            <a:r>
+              <a:rPr lang="en-US" dirty="0">
+                <a:solidFill>
+                  <a:schemeClr val="bg1">
+                    <a:lumMod val="85000"/>
+                  </a:schemeClr>
+                </a:solidFill>
+              </a:rPr>
+              <a:t>      will put our code onto computer in cloud</a:t>
+            </a:r>
+          </a:p>
+          <a:p>
+            <a:endParaRPr lang="en-US" dirty="0"/>
+          </a:p>
+          <a:p>
+            <a:r>
+              <a:rPr lang="en-GB" dirty="0">
+                <a:sym typeface="Symbol" panose="05050102010706020507" pitchFamily="18" charset="2"/>
+              </a:rPr>
+              <a:t> </a:t>
+            </a:r>
+            <a:r>
+              <a:rPr lang="en-US" dirty="0"/>
+              <a:t>minimum interactivity : building and running</a:t>
+            </a:r>
+          </a:p>
+          <a:p>
+            <a:r>
+              <a:rPr lang="en-US" dirty="0">
+                <a:solidFill>
+                  <a:schemeClr val="bg1">
+                    <a:lumMod val="85000"/>
+                  </a:schemeClr>
+                </a:solidFill>
+              </a:rPr>
+              <a:t>     if instructions are valid ? -&gt; we’ll see what comes </a:t>
+            </a:r>
+            <a:r>
+              <a:rPr lang="en-US" u="sng" dirty="0">
+                <a:solidFill>
+                  <a:schemeClr val="bg1">
+                    <a:lumMod val="85000"/>
+                  </a:schemeClr>
+                </a:solidFill>
+              </a:rPr>
+              <a:t>out of the box</a:t>
+            </a:r>
+          </a:p>
+          <a:p>
+            <a:r>
+              <a:rPr lang="en-US" dirty="0">
+                <a:solidFill>
+                  <a:schemeClr val="bg1">
+                    <a:lumMod val="85000"/>
+                  </a:schemeClr>
+                </a:solidFill>
+              </a:rPr>
+              <a:t>     if instructions aren’t valid ? -&gt; build error tells us where the mistake is</a:t>
+            </a:r>
+          </a:p>
+          <a:p>
+            <a:r>
+              <a:rPr lang="en-US" dirty="0"/>
+              <a:t>       </a:t>
+            </a:r>
+          </a:p>
+          <a:p>
+            <a:r>
+              <a:rPr lang="en-GB" dirty="0">
+                <a:sym typeface="Symbol" panose="05050102010706020507" pitchFamily="18" charset="2"/>
+              </a:rPr>
+              <a:t> </a:t>
+            </a:r>
+            <a:r>
+              <a:rPr lang="en-US" dirty="0"/>
+              <a:t>extra interactivity : debugging</a:t>
+            </a:r>
+          </a:p>
+          <a:p>
+            <a:r>
+              <a:rPr lang="en-US" dirty="0">
+                <a:solidFill>
+                  <a:schemeClr val="bg1">
+                    <a:lumMod val="85000"/>
+                  </a:schemeClr>
+                </a:solidFill>
+              </a:rPr>
+              <a:t>     see what’s happening </a:t>
+            </a:r>
+            <a:r>
+              <a:rPr lang="en-US" u="sng" dirty="0">
+                <a:solidFill>
+                  <a:schemeClr val="bg1">
+                    <a:lumMod val="85000"/>
+                  </a:schemeClr>
+                </a:solidFill>
+              </a:rPr>
+              <a:t>inside the box</a:t>
+            </a:r>
+          </a:p>
+          <a:p>
+            <a:endParaRPr lang="en-GB" dirty="0">
+              <a:sym typeface="Symbol" panose="05050102010706020507" pitchFamily="18" charset="2"/>
+            </a:endParaRPr>
+          </a:p>
+          <a:p>
+            <a:r>
+              <a:rPr lang="en-GB" dirty="0">
+                <a:sym typeface="Symbol" panose="05050102010706020507" pitchFamily="18" charset="2"/>
+              </a:rPr>
+              <a:t> detailed look at building and running</a:t>
+            </a:r>
+            <a:endParaRPr lang="en-US" dirty="0"/>
+          </a:p>
+          <a:p>
+            <a:endParaRPr lang="en-US" u="sng" dirty="0"/>
+          </a:p>
+        </p:txBody>
+      </p:sp>
+      <p:sp>
+        <p:nvSpPr>
+          <p:cNvPr id="5" name="TextBox 4">
+            <a:extLst>
+              <a:ext uri="{FF2B5EF4-FFF2-40B4-BE49-F238E27FC236}">
+                <a16:creationId xmlns:a16="http://schemas.microsoft.com/office/drawing/2014/main" id="{17777C77-801F-C74C-6467-FF5D16996B56}"/>
+              </a:ext>
+            </a:extLst>
+          </p:cNvPr>
+          <p:cNvSpPr txBox="1"/>
+          <p:nvPr/>
+        </p:nvSpPr>
+        <p:spPr>
+          <a:xfrm>
+            <a:off x="0" y="-2"/>
+            <a:ext cx="12192000" cy="779319"/>
+          </a:xfrm>
+          <a:prstGeom prst="rect">
+            <a:avLst/>
+          </a:prstGeom>
+          <a:solidFill>
+            <a:schemeClr val="bg1">
+              <a:lumMod val="85000"/>
+            </a:schemeClr>
+          </a:solidFill>
+        </p:spPr>
+        <p:txBody>
+          <a:bodyPr wrap="square" rtlCol="0" anchor="ctr" anchorCtr="0">
+            <a:noAutofit/>
+          </a:bodyPr>
+          <a:lstStyle/>
+          <a:p>
+            <a:r>
+              <a:rPr lang="en-US" dirty="0">
+                <a:solidFill>
+                  <a:schemeClr val="bg1">
+                    <a:lumMod val="65000"/>
+                  </a:schemeClr>
+                </a:solidFill>
+              </a:rPr>
+              <a:t>Computer Science GCSE Week 2</a:t>
+            </a:r>
+            <a:r>
+              <a:rPr lang="en-US" dirty="0"/>
+              <a:t> : Introduction</a:t>
+            </a:r>
+          </a:p>
+        </p:txBody>
+      </p:sp>
+      <p:sp>
+        <p:nvSpPr>
+          <p:cNvPr id="6" name="TextBox 5">
+            <a:extLst>
+              <a:ext uri="{FF2B5EF4-FFF2-40B4-BE49-F238E27FC236}">
+                <a16:creationId xmlns:a16="http://schemas.microsoft.com/office/drawing/2014/main" id="{99727A34-278B-61C5-E094-09F6B42F324C}"/>
+              </a:ext>
+            </a:extLst>
+          </p:cNvPr>
+          <p:cNvSpPr txBox="1"/>
+          <p:nvPr/>
+        </p:nvSpPr>
+        <p:spPr>
+          <a:xfrm>
+            <a:off x="922361" y="1337905"/>
+            <a:ext cx="7327669" cy="3970318"/>
+          </a:xfrm>
+          <a:prstGeom prst="rect">
+            <a:avLst/>
+          </a:prstGeom>
+          <a:noFill/>
+        </p:spPr>
+        <p:txBody>
+          <a:bodyPr wrap="square" rtlCol="0">
+            <a:spAutoFit/>
+          </a:bodyPr>
+          <a:lstStyle/>
+          <a:p>
+            <a:endParaRPr lang="en-GB" dirty="0">
+              <a:sym typeface="Symbol" panose="05050102010706020507" pitchFamily="18" charset="2"/>
+            </a:endParaRPr>
+          </a:p>
+          <a:p>
+            <a:r>
+              <a:rPr lang="en-US" dirty="0"/>
+              <a:t>      learn how to code so we can pass a paper GCSE exam</a:t>
+            </a:r>
+          </a:p>
+          <a:p>
+            <a:r>
+              <a:rPr lang="en-US" dirty="0"/>
+              <a:t>      exam without computer will be OK</a:t>
+            </a:r>
+          </a:p>
+          <a:p>
+            <a:r>
+              <a:rPr lang="en-US" dirty="0"/>
+              <a:t>      learning without computer not OK</a:t>
+            </a:r>
+          </a:p>
+          <a:p>
+            <a:r>
+              <a:rPr lang="en-US" dirty="0"/>
+              <a:t>      will put our code onto computer in cloud</a:t>
+            </a:r>
+          </a:p>
+          <a:p>
+            <a:endParaRPr lang="en-US" dirty="0"/>
+          </a:p>
+          <a:p>
+            <a:endParaRPr lang="en-GB" dirty="0">
+              <a:sym typeface="Symbol" panose="05050102010706020507" pitchFamily="18" charset="2"/>
+            </a:endParaRPr>
+          </a:p>
+          <a:p>
+            <a:r>
+              <a:rPr lang="en-US" dirty="0"/>
+              <a:t>     if instructions are valid ? -&gt; we’ll see what comes </a:t>
+            </a:r>
+            <a:r>
+              <a:rPr lang="en-US" u="sng" dirty="0"/>
+              <a:t>out of the box</a:t>
+            </a:r>
+          </a:p>
+          <a:p>
+            <a:r>
+              <a:rPr lang="en-US" dirty="0"/>
+              <a:t>     if instructions aren’t valid ? -&gt; build error tells us where the mistake is</a:t>
+            </a:r>
+          </a:p>
+          <a:p>
+            <a:r>
+              <a:rPr lang="en-US" dirty="0"/>
+              <a:t>       </a:t>
+            </a:r>
+          </a:p>
+          <a:p>
+            <a:endParaRPr lang="en-GB" dirty="0">
+              <a:sym typeface="Symbol" panose="05050102010706020507" pitchFamily="18" charset="2"/>
+            </a:endParaRPr>
+          </a:p>
+          <a:p>
+            <a:r>
+              <a:rPr lang="en-US" dirty="0"/>
+              <a:t>     see what’s happening </a:t>
+            </a:r>
+            <a:r>
+              <a:rPr lang="en-US" u="sng" dirty="0"/>
+              <a:t>inside the box</a:t>
+            </a:r>
+          </a:p>
+          <a:p>
+            <a:endParaRPr lang="en-GB" dirty="0">
+              <a:sym typeface="Symbol" panose="05050102010706020507" pitchFamily="18" charset="2"/>
+            </a:endParaRPr>
+          </a:p>
+          <a:p>
+            <a:endParaRPr lang="en-US" u="sng" dirty="0"/>
+          </a:p>
+        </p:txBody>
+      </p:sp>
+    </p:spTree>
+    <p:extLst>
+      <p:ext uri="{BB962C8B-B14F-4D97-AF65-F5344CB8AC3E}">
+        <p14:creationId xmlns:p14="http://schemas.microsoft.com/office/powerpoint/2010/main" val="1382997057"/>
+      </p:ext>
+    </p:extLst>
+  </p:cSld>
+  <p:clrMapOvr>
+    <a:masterClrMapping/>
+  </p:clrMapOvr>
+  <p:timing>
+    <p:tnLst>
+      <p:par>
+        <p:cTn id="1" dur="indefinite" restart="never" nodeType="tmRoot">
+          <p:childTnLst>
+            <p:seq concurrent="1" nextAc="seek">
+              <p:cTn id="2" dur="indefinite" nodeType="mainSeq">
+                <p:childTnLst>
+                  <p:par>
+                    <p:cTn id="3" fill="hold">
+                      <p:stCondLst>
+                        <p:cond delay="indefinite"/>
+                      </p:stCondLst>
+                      <p:childTnLst>
+                        <p:par>
+                          <p:cTn id="4" fill="hold">
+                            <p:stCondLst>
+                              <p:cond delay="0"/>
+                            </p:stCondLst>
+                            <p:childTnLst>
+                              <p:par>
+                                <p:cTn id="5" presetID="1" presetClass="entr" presetSubtype="0" fill="hold" nodeType="clickEffect">
+                                  <p:stCondLst>
+                                    <p:cond delay="0"/>
+                                  </p:stCondLst>
+                                  <p:childTnLst>
+                                    <p:set>
+                                      <p:cBhvr>
+                                        <p:cTn id="6" dur="1" fill="hold">
+                                          <p:stCondLst>
+                                            <p:cond delay="0"/>
+                                          </p:stCondLst>
+                                        </p:cTn>
+                                        <p:tgtEl>
+                                          <p:spTgt spid="6">
+                                            <p:txEl>
+                                              <p:pRg st="1" end="1"/>
+                                            </p:txEl>
+                                          </p:spTgt>
+                                        </p:tgtEl>
+                                        <p:attrNameLst>
+                                          <p:attrName>style.visibility</p:attrName>
+                                        </p:attrNameLst>
+                                      </p:cBhvr>
+                                      <p:to>
+                                        <p:strVal val="visible"/>
+                                      </p:to>
+                                    </p:set>
+                                  </p:childTnLst>
+                                </p:cTn>
+                              </p:par>
+                            </p:childTnLst>
+                          </p:cTn>
+                        </p:par>
+                      </p:childTnLst>
+                    </p:cTn>
+                  </p:par>
+                  <p:par>
+                    <p:cTn id="7" fill="hold">
+                      <p:stCondLst>
+                        <p:cond delay="indefinite"/>
+                      </p:stCondLst>
+                      <p:childTnLst>
+                        <p:par>
+                          <p:cTn id="8" fill="hold">
+                            <p:stCondLst>
+                              <p:cond delay="0"/>
+                            </p:stCondLst>
+                            <p:childTnLst>
+                              <p:par>
+                                <p:cTn id="9" presetID="1" presetClass="entr" presetSubtype="0" fill="hold" nodeType="clickEffect">
+                                  <p:stCondLst>
+                                    <p:cond delay="0"/>
+                                  </p:stCondLst>
+                                  <p:childTnLst>
+                                    <p:set>
+                                      <p:cBhvr>
+                                        <p:cTn id="10" dur="1" fill="hold">
+                                          <p:stCondLst>
+                                            <p:cond delay="0"/>
+                                          </p:stCondLst>
+                                        </p:cTn>
+                                        <p:tgtEl>
+                                          <p:spTgt spid="6">
+                                            <p:txEl>
+                                              <p:pRg st="2" end="2"/>
+                                            </p:txEl>
+                                          </p:spTgt>
+                                        </p:tgtEl>
+                                        <p:attrNameLst>
+                                          <p:attrName>style.visibility</p:attrName>
+                                        </p:attrNameLst>
+                                      </p:cBhvr>
+                                      <p:to>
+                                        <p:strVal val="visible"/>
+                                      </p:to>
+                                    </p:set>
+                                  </p:childTnLst>
+                                </p:cTn>
+                              </p:par>
+                            </p:childTnLst>
+                          </p:cTn>
+                        </p:par>
+                      </p:childTnLst>
+                    </p:cTn>
+                  </p:par>
+                  <p:par>
+                    <p:cTn id="11" fill="hold">
+                      <p:stCondLst>
+                        <p:cond delay="indefinite"/>
+                      </p:stCondLst>
+                      <p:childTnLst>
+                        <p:par>
+                          <p:cTn id="12" fill="hold">
+                            <p:stCondLst>
+                              <p:cond delay="0"/>
+                            </p:stCondLst>
+                            <p:childTnLst>
+                              <p:par>
+                                <p:cTn id="13" presetID="1" presetClass="entr" presetSubtype="0" fill="hold" nodeType="clickEffect">
+                                  <p:stCondLst>
+                                    <p:cond delay="0"/>
+                                  </p:stCondLst>
+                                  <p:childTnLst>
+                                    <p:set>
+                                      <p:cBhvr>
+                                        <p:cTn id="14" dur="1" fill="hold">
+                                          <p:stCondLst>
+                                            <p:cond delay="0"/>
+                                          </p:stCondLst>
+                                        </p:cTn>
+                                        <p:tgtEl>
+                                          <p:spTgt spid="6">
+                                            <p:txEl>
+                                              <p:pRg st="3" end="3"/>
+                                            </p:txEl>
+                                          </p:spTgt>
+                                        </p:tgtEl>
+                                        <p:attrNameLst>
+                                          <p:attrName>style.visibility</p:attrName>
+                                        </p:attrNameLst>
+                                      </p:cBhvr>
+                                      <p:to>
+                                        <p:strVal val="visible"/>
+                                      </p:to>
+                                    </p:set>
+                                  </p:childTnLst>
+                                </p:cTn>
+                              </p:par>
+                            </p:childTnLst>
+                          </p:cTn>
+                        </p:par>
+                      </p:childTnLst>
+                    </p:cTn>
+                  </p:par>
+                  <p:par>
+                    <p:cTn id="15" fill="hold">
+                      <p:stCondLst>
+                        <p:cond delay="indefinite"/>
+                      </p:stCondLst>
+                      <p:childTnLst>
+                        <p:par>
+                          <p:cTn id="16" fill="hold">
+                            <p:stCondLst>
+                              <p:cond delay="0"/>
+                            </p:stCondLst>
+                            <p:childTnLst>
+                              <p:par>
+                                <p:cTn id="17" presetID="1" presetClass="entr" presetSubtype="0" fill="hold" nodeType="clickEffect">
+                                  <p:stCondLst>
+                                    <p:cond delay="0"/>
+                                  </p:stCondLst>
+                                  <p:childTnLst>
+                                    <p:set>
+                                      <p:cBhvr>
+                                        <p:cTn id="18" dur="1" fill="hold">
+                                          <p:stCondLst>
+                                            <p:cond delay="0"/>
+                                          </p:stCondLst>
+                                        </p:cTn>
+                                        <p:tgtEl>
+                                          <p:spTgt spid="6">
+                                            <p:txEl>
+                                              <p:pRg st="4" end="4"/>
+                                            </p:txEl>
+                                          </p:spTgt>
+                                        </p:tgtEl>
+                                        <p:attrNameLst>
+                                          <p:attrName>style.visibility</p:attrName>
+                                        </p:attrNameLst>
+                                      </p:cBhvr>
+                                      <p:to>
+                                        <p:strVal val="visible"/>
+                                      </p:to>
+                                    </p:set>
+                                  </p:childTnLst>
+                                </p:cTn>
+                              </p:par>
+                            </p:childTnLst>
+                          </p:cTn>
+                        </p:par>
+                      </p:childTnLst>
+                    </p:cTn>
+                  </p:par>
+                  <p:par>
+                    <p:cTn id="19" fill="hold">
+                      <p:stCondLst>
+                        <p:cond delay="indefinite"/>
+                      </p:stCondLst>
+                      <p:childTnLst>
+                        <p:par>
+                          <p:cTn id="20" fill="hold">
+                            <p:stCondLst>
+                              <p:cond delay="0"/>
+                            </p:stCondLst>
+                            <p:childTnLst>
+                              <p:par>
+                                <p:cTn id="21" presetID="1" presetClass="entr" presetSubtype="0" fill="hold" nodeType="clickEffect">
+                                  <p:stCondLst>
+                                    <p:cond delay="0"/>
+                                  </p:stCondLst>
+                                  <p:childTnLst>
+                                    <p:set>
+                                      <p:cBhvr>
+                                        <p:cTn id="22" dur="1" fill="hold">
+                                          <p:stCondLst>
+                                            <p:cond delay="0"/>
+                                          </p:stCondLst>
+                                        </p:cTn>
+                                        <p:tgtEl>
+                                          <p:spTgt spid="6">
+                                            <p:txEl>
+                                              <p:pRg st="7" end="7"/>
+                                            </p:txEl>
+                                          </p:spTgt>
+                                        </p:tgtEl>
+                                        <p:attrNameLst>
+                                          <p:attrName>style.visibility</p:attrName>
+                                        </p:attrNameLst>
+                                      </p:cBhvr>
+                                      <p:to>
+                                        <p:strVal val="visible"/>
+                                      </p:to>
+                                    </p:set>
+                                  </p:childTnLst>
+                                </p:cTn>
+                              </p:par>
+                            </p:childTnLst>
+                          </p:cTn>
+                        </p:par>
+                      </p:childTnLst>
+                    </p:cTn>
+                  </p:par>
+                  <p:par>
+                    <p:cTn id="23" fill="hold">
+                      <p:stCondLst>
+                        <p:cond delay="indefinite"/>
+                      </p:stCondLst>
+                      <p:childTnLst>
+                        <p:par>
+                          <p:cTn id="24" fill="hold">
+                            <p:stCondLst>
+                              <p:cond delay="0"/>
+                            </p:stCondLst>
+                            <p:childTnLst>
+                              <p:par>
+                                <p:cTn id="25" presetID="1" presetClass="entr" presetSubtype="0" fill="hold" nodeType="clickEffect">
+                                  <p:stCondLst>
+                                    <p:cond delay="0"/>
+                                  </p:stCondLst>
+                                  <p:childTnLst>
+                                    <p:set>
+                                      <p:cBhvr>
+                                        <p:cTn id="26" dur="1" fill="hold">
+                                          <p:stCondLst>
+                                            <p:cond delay="0"/>
+                                          </p:stCondLst>
+                                        </p:cTn>
+                                        <p:tgtEl>
+                                          <p:spTgt spid="6">
+                                            <p:txEl>
+                                              <p:pRg st="8" end="8"/>
+                                            </p:txEl>
+                                          </p:spTgt>
+                                        </p:tgtEl>
+                                        <p:attrNameLst>
+                                          <p:attrName>style.visibility</p:attrName>
+                                        </p:attrNameLst>
+                                      </p:cBhvr>
+                                      <p:to>
+                                        <p:strVal val="visible"/>
+                                      </p:to>
+                                    </p:set>
+                                  </p:childTnLst>
+                                </p:cTn>
+                              </p:par>
+                            </p:childTnLst>
+                          </p:cTn>
+                        </p:par>
+                      </p:childTnLst>
+                    </p:cTn>
+                  </p:par>
+                  <p:par>
+                    <p:cTn id="27" fill="hold">
+                      <p:stCondLst>
+                        <p:cond delay="indefinite"/>
+                      </p:stCondLst>
+                      <p:childTnLst>
+                        <p:par>
+                          <p:cTn id="28" fill="hold">
+                            <p:stCondLst>
+                              <p:cond delay="0"/>
+                            </p:stCondLst>
+                            <p:childTnLst>
+                              <p:par>
+                                <p:cTn id="29" presetID="1" presetClass="entr" presetSubtype="0" fill="hold" nodeType="clickEffect">
+                                  <p:stCondLst>
+                                    <p:cond delay="0"/>
+                                  </p:stCondLst>
+                                  <p:childTnLst>
+                                    <p:set>
+                                      <p:cBhvr>
+                                        <p:cTn id="30" dur="1" fill="hold">
+                                          <p:stCondLst>
+                                            <p:cond delay="0"/>
+                                          </p:stCondLst>
+                                        </p:cTn>
+                                        <p:tgtEl>
+                                          <p:spTgt spid="6">
+                                            <p:txEl>
+                                              <p:pRg st="11" end="11"/>
+                                            </p:txEl>
+                                          </p:spTgt>
+                                        </p:tgtEl>
+                                        <p:attrNameLst>
+                                          <p:attrName>style.visibility</p:attrName>
+                                        </p:attrNameLst>
+                                      </p:cBhvr>
+                                      <p:to>
+                                        <p:strVal val="visible"/>
+                                      </p:to>
+                                    </p:set>
+                                  </p:childTnLst>
+                                </p:cTn>
+                              </p:par>
+                            </p:childTnLst>
+                          </p:cTn>
+                        </p:par>
+                      </p:childTnLst>
+                    </p:cTn>
+                  </p:par>
+                </p:childTnLst>
+              </p:cTn>
+              <p:prevCondLst>
+                <p:cond evt="onPrev" delay="0">
+                  <p:tgtEl>
+                    <p:sldTgt/>
+                  </p:tgtEl>
+                </p:cond>
+              </p:prevCondLst>
+              <p:nextCondLst>
+                <p:cond evt="onNext" delay="0">
+                  <p:tgtEl>
+                    <p:sldTgt/>
+                  </p:tgtEl>
+                </p:cond>
+              </p:nextCondLst>
+            </p:seq>
+          </p:childTnLst>
+        </p:cTn>
+      </p:par>
+    </p:tnLst>
+  </p:timing>
+</p:sld>
+</file>
+
+<file path=ppt/slides/slide2.xml><?xml version="1.0" encoding="utf-8"?>
+<p:sld xmlns:a="http://schemas.openxmlformats.org/drawingml/2006/main" xmlns:r="http://schemas.openxmlformats.org/officeDocument/2006/relationships" xmlns:p="http://schemas.openxmlformats.org/presentationml/2006/main">
+  <p:cSld>
+    <p:spTree>
+      <p:nvGrpSpPr>
+        <p:cNvPr id="1" name=""/>
+        <p:cNvGrpSpPr/>
+        <p:nvPr/>
+      </p:nvGrpSpPr>
+      <p:grpSpPr>
+        <a:xfrm>
+          <a:off x="0" y="0"/>
+          <a:ext cx="0" cy="0"/>
+          <a:chOff x="0" y="0"/>
+          <a:chExt cx="0" cy="0"/>
+        </a:xfrm>
+      </p:grpSpPr>
+      <p:sp>
+        <p:nvSpPr>
+          <p:cNvPr id="5" name="TextBox 4">
+            <a:extLst>
+              <a:ext uri="{FF2B5EF4-FFF2-40B4-BE49-F238E27FC236}">
+                <a16:creationId xmlns:a16="http://schemas.microsoft.com/office/drawing/2014/main" id="{5D48C4CF-FBBF-4C16-B2A7-762741D395F8}"/>
+              </a:ext>
+            </a:extLst>
+          </p:cNvPr>
+          <p:cNvSpPr txBox="1"/>
+          <p:nvPr/>
+        </p:nvSpPr>
+        <p:spPr>
+          <a:xfrm>
+            <a:off x="282632" y="1635606"/>
             <a:ext cx="1413164" cy="923330"/>
           </a:xfrm>
           <a:prstGeom prst="rect">
@@ -3419,7 +4183,7 @@
         </p:nvSpPr>
         <p:spPr>
           <a:xfrm>
-            <a:off x="2327564" y="889462"/>
+            <a:off x="2327564" y="1346663"/>
             <a:ext cx="1413164" cy="1292629"/>
           </a:xfrm>
           <a:prstGeom prst="flowChartDocument">
@@ -3469,7 +4233,7 @@
         </p:nvSpPr>
         <p:spPr>
           <a:xfrm>
-            <a:off x="2317173" y="2140527"/>
+            <a:off x="2317173" y="2597728"/>
             <a:ext cx="1548245" cy="369332"/>
           </a:xfrm>
           <a:prstGeom prst="rect">
@@ -3512,7 +4276,7 @@
         </p:nvSpPr>
         <p:spPr>
           <a:xfrm>
-            <a:off x="1747751" y="1525385"/>
+            <a:off x="1747751" y="1982586"/>
             <a:ext cx="382386" cy="224444"/>
           </a:xfrm>
           <a:prstGeom prst="rightArrow">
@@ -3559,7 +4323,7 @@
         </p:nvSpPr>
         <p:spPr>
           <a:xfrm>
-            <a:off x="3936766" y="1521920"/>
+            <a:off x="3936766" y="1979121"/>
             <a:ext cx="382386" cy="224444"/>
           </a:xfrm>
           <a:prstGeom prst="rightArrow">
@@ -3606,7 +4370,7 @@
         </p:nvSpPr>
         <p:spPr>
           <a:xfrm>
-            <a:off x="4319839" y="1358821"/>
+            <a:off x="4319839" y="1816022"/>
             <a:ext cx="1174173" cy="571424"/>
           </a:xfrm>
           <a:prstGeom prst="roundRect">
@@ -3659,7 +4423,7 @@
         </p:nvSpPr>
         <p:spPr>
           <a:xfrm>
-            <a:off x="5512720" y="1518455"/>
+            <a:off x="5512720" y="1975656"/>
             <a:ext cx="382386" cy="224444"/>
           </a:xfrm>
           <a:prstGeom prst="rightArrow">
@@ -3706,7 +4470,7 @@
         </p:nvSpPr>
         <p:spPr>
           <a:xfrm>
-            <a:off x="6064827" y="896388"/>
+            <a:off x="6064827" y="1353589"/>
             <a:ext cx="1413164" cy="1292629"/>
           </a:xfrm>
           <a:prstGeom prst="flowChartDocument">
@@ -3756,7 +4520,7 @@
         </p:nvSpPr>
         <p:spPr>
           <a:xfrm>
-            <a:off x="6064827" y="2157844"/>
+            <a:off x="6064827" y="2615045"/>
             <a:ext cx="1548245" cy="923330"/>
           </a:xfrm>
           <a:prstGeom prst="rect">
@@ -3803,7 +4567,7 @@
         </p:nvSpPr>
         <p:spPr>
           <a:xfrm>
-            <a:off x="7715591" y="1528846"/>
+            <a:off x="7715591" y="1986047"/>
             <a:ext cx="382386" cy="224444"/>
           </a:xfrm>
           <a:prstGeom prst="rightArrow">
@@ -3850,7 +4614,7 @@
         </p:nvSpPr>
         <p:spPr>
           <a:xfrm>
-            <a:off x="8098664" y="1365747"/>
+            <a:off x="8098664" y="1822948"/>
             <a:ext cx="1174173" cy="571424"/>
           </a:xfrm>
           <a:prstGeom prst="roundRect">
@@ -3903,7 +4667,7 @@
         </p:nvSpPr>
         <p:spPr>
           <a:xfrm>
-            <a:off x="9291545" y="1525381"/>
+            <a:off x="9291545" y="1982582"/>
             <a:ext cx="382386" cy="224444"/>
           </a:xfrm>
           <a:prstGeom prst="rightArrow">
@@ -3958,7 +4722,7 @@
         </p:blipFill>
         <p:spPr>
           <a:xfrm>
-            <a:off x="9864436" y="1261800"/>
+            <a:off x="9864436" y="1719001"/>
             <a:ext cx="1561681" cy="779318"/>
           </a:xfrm>
           <a:prstGeom prst="rect">
@@ -3985,7 +4749,7 @@
         </p:nvSpPr>
         <p:spPr>
           <a:xfrm>
-            <a:off x="1213659" y="3199367"/>
+            <a:off x="1213659" y="3656568"/>
             <a:ext cx="3524597" cy="646331"/>
           </a:xfrm>
           <a:prstGeom prst="rect">
@@ -4072,7 +4836,7 @@
         </p:nvSpPr>
         <p:spPr>
           <a:xfrm>
-            <a:off x="5048765" y="3176324"/>
+            <a:off x="5048765" y="3633525"/>
             <a:ext cx="3746099" cy="646331"/>
           </a:xfrm>
           <a:prstGeom prst="rect">
@@ -4151,7 +4915,7 @@
         </p:nvSpPr>
         <p:spPr>
           <a:xfrm>
-            <a:off x="9688756" y="3176323"/>
+            <a:off x="9688756" y="3633524"/>
             <a:ext cx="1878682" cy="646331"/>
           </a:xfrm>
           <a:prstGeom prst="rect">
@@ -4190,6 +4954,55 @@
                 </a:solidFill>
               </a:rPr>
               <a:t>out of the box</a:t>
+            </a:r>
+          </a:p>
+        </p:txBody>
+      </p:sp>
+      <p:sp>
+        <p:nvSpPr>
+          <p:cNvPr id="2" name="TextBox 1">
+            <a:extLst>
+              <a:ext uri="{FF2B5EF4-FFF2-40B4-BE49-F238E27FC236}">
+                <a16:creationId xmlns:a16="http://schemas.microsoft.com/office/drawing/2014/main" id="{5AF77578-2503-D2FE-5448-21417090DAFE}"/>
+              </a:ext>
+            </a:extLst>
+          </p:cNvPr>
+          <p:cNvSpPr txBox="1"/>
+          <p:nvPr/>
+        </p:nvSpPr>
+        <p:spPr>
+          <a:xfrm>
+            <a:off x="0" y="-2"/>
+            <a:ext cx="12192000" cy="779319"/>
+          </a:xfrm>
+          <a:prstGeom prst="rect">
+            <a:avLst/>
+          </a:prstGeom>
+          <a:solidFill>
+            <a:schemeClr val="bg1">
+              <a:lumMod val="85000"/>
+            </a:schemeClr>
+          </a:solidFill>
+        </p:spPr>
+        <p:txBody>
+          <a:bodyPr wrap="square" rtlCol="0" anchor="ctr" anchorCtr="0">
+            <a:noAutofit/>
+          </a:bodyPr>
+          <a:lstStyle/>
+          <a:p>
+            <a:r>
+              <a:rPr lang="en-US" dirty="0">
+                <a:solidFill>
+                  <a:schemeClr val="bg1">
+                    <a:lumMod val="65000"/>
+                  </a:schemeClr>
+                </a:solidFill>
+              </a:rPr>
+              <a:t>Computer Science GCSE Week 2</a:t>
+            </a:r>
+            <a:r>
+              <a:rPr lang="en-US" dirty="0"/>
+              <a:t> : detail of building and running</a:t>
             </a:r>
           </a:p>
         </p:txBody>

--- a/Week 2/building and running.pptx
+++ b/Week 2/building and running.pptx
@@ -7,6 +7,7 @@
   <p:sldIdLst>
     <p:sldId id="257" r:id="rId2"/>
     <p:sldId id="256" r:id="rId3"/>
+    <p:sldId id="258" r:id="rId4"/>
   </p:sldIdLst>
   <p:sldSz cx="12192000" cy="6858000"/>
   <p:notesSz cx="6858000" cy="9144000"/>
@@ -260,7 +261,7 @@
           <a:p>
             <a:fld id="{BF41F317-3935-49D0-A95F-D6F7F48AE8A1}" type="datetimeFigureOut">
               <a:rPr lang="en-US" smtClean="0"/>
-              <a:t>5/8/2025</a:t>
+              <a:t>5/9/2025</a:t>
             </a:fld>
             <a:endParaRPr lang="en-US"/>
           </a:p>
@@ -458,7 +459,7 @@
           <a:p>
             <a:fld id="{BF41F317-3935-49D0-A95F-D6F7F48AE8A1}" type="datetimeFigureOut">
               <a:rPr lang="en-US" smtClean="0"/>
-              <a:t>5/8/2025</a:t>
+              <a:t>5/9/2025</a:t>
             </a:fld>
             <a:endParaRPr lang="en-US"/>
           </a:p>
@@ -666,7 +667,7 @@
           <a:p>
             <a:fld id="{BF41F317-3935-49D0-A95F-D6F7F48AE8A1}" type="datetimeFigureOut">
               <a:rPr lang="en-US" smtClean="0"/>
-              <a:t>5/8/2025</a:t>
+              <a:t>5/9/2025</a:t>
             </a:fld>
             <a:endParaRPr lang="en-US"/>
           </a:p>
@@ -864,7 +865,7 @@
           <a:p>
             <a:fld id="{BF41F317-3935-49D0-A95F-D6F7F48AE8A1}" type="datetimeFigureOut">
               <a:rPr lang="en-US" smtClean="0"/>
-              <a:t>5/8/2025</a:t>
+              <a:t>5/9/2025</a:t>
             </a:fld>
             <a:endParaRPr lang="en-US"/>
           </a:p>
@@ -1139,7 +1140,7 @@
           <a:p>
             <a:fld id="{BF41F317-3935-49D0-A95F-D6F7F48AE8A1}" type="datetimeFigureOut">
               <a:rPr lang="en-US" smtClean="0"/>
-              <a:t>5/8/2025</a:t>
+              <a:t>5/9/2025</a:t>
             </a:fld>
             <a:endParaRPr lang="en-US"/>
           </a:p>
@@ -1404,7 +1405,7 @@
           <a:p>
             <a:fld id="{BF41F317-3935-49D0-A95F-D6F7F48AE8A1}" type="datetimeFigureOut">
               <a:rPr lang="en-US" smtClean="0"/>
-              <a:t>5/8/2025</a:t>
+              <a:t>5/9/2025</a:t>
             </a:fld>
             <a:endParaRPr lang="en-US"/>
           </a:p>
@@ -1816,7 +1817,7 @@
           <a:p>
             <a:fld id="{BF41F317-3935-49D0-A95F-D6F7F48AE8A1}" type="datetimeFigureOut">
               <a:rPr lang="en-US" smtClean="0"/>
-              <a:t>5/8/2025</a:t>
+              <a:t>5/9/2025</a:t>
             </a:fld>
             <a:endParaRPr lang="en-US"/>
           </a:p>
@@ -1957,7 +1958,7 @@
           <a:p>
             <a:fld id="{BF41F317-3935-49D0-A95F-D6F7F48AE8A1}" type="datetimeFigureOut">
               <a:rPr lang="en-US" smtClean="0"/>
-              <a:t>5/8/2025</a:t>
+              <a:t>5/9/2025</a:t>
             </a:fld>
             <a:endParaRPr lang="en-US"/>
           </a:p>
@@ -2070,7 +2071,7 @@
           <a:p>
             <a:fld id="{BF41F317-3935-49D0-A95F-D6F7F48AE8A1}" type="datetimeFigureOut">
               <a:rPr lang="en-US" smtClean="0"/>
-              <a:t>5/8/2025</a:t>
+              <a:t>5/9/2025</a:t>
             </a:fld>
             <a:endParaRPr lang="en-US"/>
           </a:p>
@@ -2381,7 +2382,7 @@
           <a:p>
             <a:fld id="{BF41F317-3935-49D0-A95F-D6F7F48AE8A1}" type="datetimeFigureOut">
               <a:rPr lang="en-US" smtClean="0"/>
-              <a:t>5/8/2025</a:t>
+              <a:t>5/9/2025</a:t>
             </a:fld>
             <a:endParaRPr lang="en-US"/>
           </a:p>
@@ -2669,7 +2670,7 @@
           <a:p>
             <a:fld id="{BF41F317-3935-49D0-A95F-D6F7F48AE8A1}" type="datetimeFigureOut">
               <a:rPr lang="en-US" smtClean="0"/>
-              <a:t>5/8/2025</a:t>
+              <a:t>5/9/2025</a:t>
             </a:fld>
             <a:endParaRPr lang="en-US"/>
           </a:p>
@@ -2910,7 +2911,7 @@
           <a:p>
             <a:fld id="{BF41F317-3935-49D0-A95F-D6F7F48AE8A1}" type="datetimeFigureOut">
               <a:rPr lang="en-US" smtClean="0"/>
-              <a:t>5/8/2025</a:t>
+              <a:t>5/9/2025</a:t>
             </a:fld>
             <a:endParaRPr lang="en-US"/>
           </a:p>
@@ -5020,6 +5021,959 @@
 </p:sld>
 </file>
 
+<file path=ppt/slides/slide3.xml><?xml version="1.0" encoding="utf-8"?>
+<p:sld xmlns:a="http://schemas.openxmlformats.org/drawingml/2006/main" xmlns:r="http://schemas.openxmlformats.org/officeDocument/2006/relationships" xmlns:p="http://schemas.openxmlformats.org/presentationml/2006/main">
+  <p:cSld>
+    <p:spTree>
+      <p:nvGrpSpPr>
+        <p:cNvPr id="1" name=""/>
+        <p:cNvGrpSpPr/>
+        <p:nvPr/>
+      </p:nvGrpSpPr>
+      <p:grpSpPr>
+        <a:xfrm>
+          <a:off x="0" y="0"/>
+          <a:ext cx="0" cy="0"/>
+          <a:chOff x="0" y="0"/>
+          <a:chExt cx="0" cy="0"/>
+        </a:xfrm>
+      </p:grpSpPr>
+      <p:sp>
+        <p:nvSpPr>
+          <p:cNvPr id="5" name="TextBox 4">
+            <a:extLst>
+              <a:ext uri="{FF2B5EF4-FFF2-40B4-BE49-F238E27FC236}">
+                <a16:creationId xmlns:a16="http://schemas.microsoft.com/office/drawing/2014/main" id="{17777C77-801F-C74C-6467-FF5D16996B56}"/>
+              </a:ext>
+            </a:extLst>
+          </p:cNvPr>
+          <p:cNvSpPr txBox="1"/>
+          <p:nvPr/>
+        </p:nvSpPr>
+        <p:spPr>
+          <a:xfrm>
+            <a:off x="0" y="-2"/>
+            <a:ext cx="12192000" cy="779319"/>
+          </a:xfrm>
+          <a:prstGeom prst="rect">
+            <a:avLst/>
+          </a:prstGeom>
+          <a:solidFill>
+            <a:schemeClr val="bg1">
+              <a:lumMod val="85000"/>
+            </a:schemeClr>
+          </a:solidFill>
+        </p:spPr>
+        <p:txBody>
+          <a:bodyPr wrap="square" rtlCol="0" anchor="ctr" anchorCtr="0">
+            <a:noAutofit/>
+          </a:bodyPr>
+          <a:lstStyle/>
+          <a:p>
+            <a:r>
+              <a:rPr lang="en-US" dirty="0">
+                <a:solidFill>
+                  <a:schemeClr val="bg1">
+                    <a:lumMod val="65000"/>
+                  </a:schemeClr>
+                </a:solidFill>
+              </a:rPr>
+              <a:t>Computer Science GCSE Week 2</a:t>
+            </a:r>
+            <a:r>
+              <a:rPr lang="en-US" dirty="0"/>
+              <a:t> : Instructions for Debugging</a:t>
+            </a:r>
+          </a:p>
+        </p:txBody>
+      </p:sp>
+      <p:sp>
+        <p:nvSpPr>
+          <p:cNvPr id="4" name="TextBox 3">
+            <a:extLst>
+              <a:ext uri="{FF2B5EF4-FFF2-40B4-BE49-F238E27FC236}">
+                <a16:creationId xmlns:a16="http://schemas.microsoft.com/office/drawing/2014/main" id="{DC0E0830-AB10-7DA0-DA91-C6F401FF7947}"/>
+              </a:ext>
+            </a:extLst>
+          </p:cNvPr>
+          <p:cNvSpPr txBox="1"/>
+          <p:nvPr/>
+        </p:nvSpPr>
+        <p:spPr>
+          <a:xfrm>
+            <a:off x="540326" y="889843"/>
+            <a:ext cx="9418321" cy="5478423"/>
+          </a:xfrm>
+          <a:prstGeom prst="rect">
+            <a:avLst/>
+          </a:prstGeom>
+          <a:noFill/>
+        </p:spPr>
+        <p:txBody>
+          <a:bodyPr wrap="square" rtlCol="0">
+            <a:spAutoFit/>
+          </a:bodyPr>
+          <a:lstStyle/>
+          <a:p>
+            <a:r>
+              <a:rPr lang="en-US" sz="1400" dirty="0">
+                <a:sym typeface="Symbol" panose="05050102010706020507" pitchFamily="18" charset="2"/>
+              </a:rPr>
+              <a:t>log into </a:t>
+            </a:r>
+            <a:r>
+              <a:rPr lang="en-US" sz="1400" dirty="0" err="1">
+                <a:sym typeface="Symbol" panose="05050102010706020507" pitchFamily="18" charset="2"/>
+              </a:rPr>
+              <a:t>github</a:t>
+            </a:r>
+            <a:r>
+              <a:rPr lang="en-US" sz="1400" dirty="0">
+                <a:sym typeface="Symbol" panose="05050102010706020507" pitchFamily="18" charset="2"/>
+              </a:rPr>
+              <a:t> with username "gcsestudent2“</a:t>
+            </a:r>
+          </a:p>
+          <a:p>
+            <a:endParaRPr lang="en-US" sz="1400" dirty="0">
+              <a:sym typeface="Symbol" panose="05050102010706020507" pitchFamily="18" charset="2"/>
+            </a:endParaRPr>
+          </a:p>
+          <a:p>
+            <a:r>
+              <a:rPr lang="en-US" sz="1400" dirty="0">
+                <a:sym typeface="Symbol" panose="05050102010706020507" pitchFamily="18" charset="2"/>
+              </a:rPr>
+              <a:t>using hamburger menu at top left of screen, select "</a:t>
+            </a:r>
+            <a:r>
+              <a:rPr lang="en-US" sz="1400" dirty="0" err="1">
+                <a:sym typeface="Symbol" panose="05050102010706020507" pitchFamily="18" charset="2"/>
+              </a:rPr>
+              <a:t>codespaces</a:t>
+            </a:r>
+            <a:r>
+              <a:rPr lang="en-US" sz="1400" dirty="0">
+                <a:sym typeface="Symbol" panose="05050102010706020507" pitchFamily="18" charset="2"/>
+              </a:rPr>
+              <a:t>"</a:t>
+            </a:r>
+          </a:p>
+          <a:p>
+            <a:endParaRPr lang="en-US" sz="1400" dirty="0">
+              <a:sym typeface="Symbol" panose="05050102010706020507" pitchFamily="18" charset="2"/>
+            </a:endParaRPr>
+          </a:p>
+          <a:p>
+            <a:r>
+              <a:rPr lang="en-US" sz="1400" dirty="0">
+                <a:sym typeface="Symbol" panose="05050102010706020507" pitchFamily="18" charset="2"/>
+              </a:rPr>
+              <a:t>at bottom of screen click on "</a:t>
+            </a:r>
+            <a:r>
+              <a:rPr lang="en-US" sz="1400" dirty="0" err="1">
+                <a:sym typeface="Symbol" panose="05050102010706020507" pitchFamily="18" charset="2"/>
+              </a:rPr>
+              <a:t>FirstCodespace</a:t>
+            </a:r>
+            <a:r>
+              <a:rPr lang="en-US" sz="1400" dirty="0">
+                <a:sym typeface="Symbol" panose="05050102010706020507" pitchFamily="18" charset="2"/>
+              </a:rPr>
+              <a:t>" </a:t>
+            </a:r>
+          </a:p>
+          <a:p>
+            <a:endParaRPr lang="en-US" sz="1400" dirty="0">
+              <a:sym typeface="Symbol" panose="05050102010706020507" pitchFamily="18" charset="2"/>
+            </a:endParaRPr>
+          </a:p>
+          <a:p>
+            <a:r>
+              <a:rPr lang="en-US" sz="1400" dirty="0">
+                <a:sym typeface="Symbol" panose="05050102010706020507" pitchFamily="18" charset="2"/>
+              </a:rPr>
+              <a:t>wait </a:t>
+            </a:r>
+            <a:r>
+              <a:rPr lang="en-US" sz="1400" dirty="0" err="1">
+                <a:sym typeface="Symbol" panose="05050102010706020507" pitchFamily="18" charset="2"/>
+              </a:rPr>
+              <a:t>upto</a:t>
+            </a:r>
+            <a:r>
+              <a:rPr lang="en-US" sz="1400" dirty="0">
+                <a:sym typeface="Symbol" panose="05050102010706020507" pitchFamily="18" charset="2"/>
+              </a:rPr>
+              <a:t> a minute or so for the </a:t>
+            </a:r>
+            <a:r>
+              <a:rPr lang="en-US" sz="1400" dirty="0" err="1">
+                <a:sym typeface="Symbol" panose="05050102010706020507" pitchFamily="18" charset="2"/>
+              </a:rPr>
+              <a:t>codespace</a:t>
+            </a:r>
+            <a:r>
+              <a:rPr lang="en-US" sz="1400" dirty="0">
+                <a:sym typeface="Symbol" panose="05050102010706020507" pitchFamily="18" charset="2"/>
+              </a:rPr>
+              <a:t> to open</a:t>
+            </a:r>
+          </a:p>
+          <a:p>
+            <a:endParaRPr lang="en-US" sz="1400" dirty="0">
+              <a:sym typeface="Symbol" panose="05050102010706020507" pitchFamily="18" charset="2"/>
+            </a:endParaRPr>
+          </a:p>
+          <a:p>
+            <a:r>
+              <a:rPr lang="en-US" sz="1400" dirty="0">
+                <a:sym typeface="Symbol" panose="05050102010706020507" pitchFamily="18" charset="2"/>
+              </a:rPr>
+              <a:t>at top left of screen click on the pair of squares to open the "Explorer" pane</a:t>
+            </a:r>
+          </a:p>
+          <a:p>
+            <a:endParaRPr lang="en-US" sz="1400" dirty="0">
+              <a:sym typeface="Symbol" panose="05050102010706020507" pitchFamily="18" charset="2"/>
+            </a:endParaRPr>
+          </a:p>
+          <a:p>
+            <a:r>
+              <a:rPr lang="en-US" sz="1400" dirty="0">
+                <a:sym typeface="Symbol" panose="05050102010706020507" pitchFamily="18" charset="2"/>
+              </a:rPr>
+              <a:t>click on the "</a:t>
+            </a:r>
+            <a:r>
+              <a:rPr lang="en-US" sz="1400" dirty="0" err="1">
+                <a:sym typeface="Symbol" panose="05050102010706020507" pitchFamily="18" charset="2"/>
+              </a:rPr>
+              <a:t>Program.vb</a:t>
+            </a:r>
+            <a:r>
+              <a:rPr lang="en-US" sz="1400" dirty="0">
+                <a:sym typeface="Symbol" panose="05050102010706020507" pitchFamily="18" charset="2"/>
+              </a:rPr>
+              <a:t>" file to open it at the top right of the screen</a:t>
+            </a:r>
+          </a:p>
+          <a:p>
+            <a:endParaRPr lang="en-US" sz="1400" dirty="0">
+              <a:sym typeface="Symbol" panose="05050102010706020507" pitchFamily="18" charset="2"/>
+            </a:endParaRPr>
+          </a:p>
+          <a:p>
+            <a:r>
+              <a:rPr lang="en-US" sz="1400" dirty="0">
+                <a:sym typeface="Symbol" panose="05050102010706020507" pitchFamily="18" charset="2"/>
+              </a:rPr>
+              <a:t>put the code you want to try out in between the lines Sub Main ....... End Sub</a:t>
+            </a:r>
+          </a:p>
+          <a:p>
+            <a:endParaRPr lang="en-US" sz="1400" dirty="0">
+              <a:sym typeface="Symbol" panose="05050102010706020507" pitchFamily="18" charset="2"/>
+            </a:endParaRPr>
+          </a:p>
+          <a:p>
+            <a:r>
+              <a:rPr lang="en-US" sz="1400" dirty="0">
+                <a:sym typeface="Symbol" panose="05050102010706020507" pitchFamily="18" charset="2"/>
+              </a:rPr>
+              <a:t>at bottom of screen click on the 4th tab called "TERMINAL"</a:t>
+            </a:r>
+          </a:p>
+          <a:p>
+            <a:endParaRPr lang="en-US" sz="1400" dirty="0">
+              <a:sym typeface="Symbol" panose="05050102010706020507" pitchFamily="18" charset="2"/>
+            </a:endParaRPr>
+          </a:p>
+          <a:p>
+            <a:r>
+              <a:rPr lang="en-US" sz="1400" dirty="0">
+                <a:sym typeface="Symbol" panose="05050102010706020507" pitchFamily="18" charset="2"/>
+              </a:rPr>
+              <a:t>type command "dotnet build ." after the $ symbol to start the build process</a:t>
+            </a:r>
+          </a:p>
+          <a:p>
+            <a:endParaRPr lang="en-US" sz="1400" dirty="0">
+              <a:sym typeface="Symbol" panose="05050102010706020507" pitchFamily="18" charset="2"/>
+            </a:endParaRPr>
+          </a:p>
+          <a:p>
+            <a:r>
+              <a:rPr lang="en-US" sz="1400" dirty="0">
+                <a:sym typeface="Symbol" panose="05050102010706020507" pitchFamily="18" charset="2"/>
+              </a:rPr>
+              <a:t>if your code is OK you'll see "Build  succeeded" in green and "0 Errors"</a:t>
+            </a:r>
+          </a:p>
+          <a:p>
+            <a:r>
+              <a:rPr lang="en-US" sz="1400" dirty="0">
+                <a:sym typeface="Symbol" panose="05050102010706020507" pitchFamily="18" charset="2"/>
+              </a:rPr>
+              <a:t>if your code is not OK you'll see "n Errors" in red text underneath an explanation of what it didn't like</a:t>
+            </a:r>
+          </a:p>
+          <a:p>
+            <a:endParaRPr lang="en-US" sz="1400" dirty="0">
+              <a:sym typeface="Symbol" panose="05050102010706020507" pitchFamily="18" charset="2"/>
+            </a:endParaRPr>
+          </a:p>
+          <a:p>
+            <a:r>
+              <a:rPr lang="en-US" sz="1400" dirty="0">
+                <a:sym typeface="Symbol" panose="05050102010706020507" pitchFamily="18" charset="2"/>
+              </a:rPr>
+              <a:t>if the build succeeded then on the left of the screen ..</a:t>
+            </a:r>
+          </a:p>
+          <a:p>
+            <a:r>
+              <a:rPr lang="en-US" sz="1400" dirty="0">
+                <a:sym typeface="Symbol" panose="05050102010706020507" pitchFamily="18" charset="2"/>
+              </a:rPr>
+              <a:t>..  click on the triangle with the little bug crawling across it to open the RUN AND DEBUG pane</a:t>
+            </a:r>
+          </a:p>
+          <a:p>
+            <a:endParaRPr lang="en-US" sz="1400" dirty="0">
+              <a:sym typeface="Symbol" panose="05050102010706020507" pitchFamily="18" charset="2"/>
+            </a:endParaRPr>
+          </a:p>
+          <a:p>
+            <a:r>
+              <a:rPr lang="en-US" sz="1400" dirty="0">
+                <a:sym typeface="Symbol" panose="05050102010706020507" pitchFamily="18" charset="2"/>
+              </a:rPr>
+              <a:t>click on the little green triangle next to the text ".NET Core Launch (console)"</a:t>
+            </a:r>
+            <a:endParaRPr lang="en-US" sz="1400" u="sng" dirty="0"/>
+          </a:p>
+        </p:txBody>
+      </p:sp>
+      <p:pic>
+        <p:nvPicPr>
+          <p:cNvPr id="3" name="Picture 2">
+            <a:extLst>
+              <a:ext uri="{FF2B5EF4-FFF2-40B4-BE49-F238E27FC236}">
+                <a16:creationId xmlns:a16="http://schemas.microsoft.com/office/drawing/2014/main" id="{64D88532-E969-0152-062E-10D0B8B42F69}"/>
+              </a:ext>
+            </a:extLst>
+          </p:cNvPr>
+          <p:cNvPicPr>
+            <a:picLocks noChangeAspect="1"/>
+          </p:cNvPicPr>
+          <p:nvPr/>
+        </p:nvPicPr>
+        <p:blipFill>
+          <a:blip r:embed="rId2"/>
+          <a:stretch>
+            <a:fillRect/>
+          </a:stretch>
+        </p:blipFill>
+        <p:spPr>
+          <a:xfrm>
+            <a:off x="6477176" y="561404"/>
+            <a:ext cx="3909399" cy="1196444"/>
+          </a:xfrm>
+          <a:prstGeom prst="rect">
+            <a:avLst/>
+          </a:prstGeom>
+        </p:spPr>
+      </p:pic>
+      <p:pic>
+        <p:nvPicPr>
+          <p:cNvPr id="21" name="Picture 20">
+            <a:extLst>
+              <a:ext uri="{FF2B5EF4-FFF2-40B4-BE49-F238E27FC236}">
+                <a16:creationId xmlns:a16="http://schemas.microsoft.com/office/drawing/2014/main" id="{81152A82-5122-1EF0-327A-764143EEE7D3}"/>
+              </a:ext>
+            </a:extLst>
+          </p:cNvPr>
+          <p:cNvPicPr>
+            <a:picLocks noChangeAspect="1"/>
+          </p:cNvPicPr>
+          <p:nvPr/>
+        </p:nvPicPr>
+        <p:blipFill>
+          <a:blip r:embed="rId3"/>
+          <a:stretch>
+            <a:fillRect/>
+          </a:stretch>
+        </p:blipFill>
+        <p:spPr>
+          <a:xfrm>
+            <a:off x="8674029" y="1121826"/>
+            <a:ext cx="3475021" cy="2408129"/>
+          </a:xfrm>
+          <a:prstGeom prst="rect">
+            <a:avLst/>
+          </a:prstGeom>
+        </p:spPr>
+      </p:pic>
+      <p:cxnSp>
+        <p:nvCxnSpPr>
+          <p:cNvPr id="8" name="Straight Arrow Connector 7">
+            <a:extLst>
+              <a:ext uri="{FF2B5EF4-FFF2-40B4-BE49-F238E27FC236}">
+                <a16:creationId xmlns:a16="http://schemas.microsoft.com/office/drawing/2014/main" id="{66BDB0AE-2C98-D5BA-B3DD-2CECAD2388D7}"/>
+              </a:ext>
+            </a:extLst>
+          </p:cNvPr>
+          <p:cNvCxnSpPr/>
+          <p:nvPr/>
+        </p:nvCxnSpPr>
+        <p:spPr>
+          <a:xfrm flipV="1">
+            <a:off x="5370022" y="1296785"/>
+            <a:ext cx="1305098" cy="199506"/>
+          </a:xfrm>
+          <a:prstGeom prst="straightConnector1">
+            <a:avLst/>
+          </a:prstGeom>
+          <a:ln>
+            <a:tailEnd type="triangle"/>
+          </a:ln>
+        </p:spPr>
+        <p:style>
+          <a:lnRef idx="2">
+            <a:schemeClr val="accent1"/>
+          </a:lnRef>
+          <a:fillRef idx="0">
+            <a:schemeClr val="accent1"/>
+          </a:fillRef>
+          <a:effectRef idx="1">
+            <a:schemeClr val="accent1"/>
+          </a:effectRef>
+          <a:fontRef idx="minor">
+            <a:schemeClr val="tx1"/>
+          </a:fontRef>
+        </p:style>
+      </p:cxnSp>
+      <p:pic>
+        <p:nvPicPr>
+          <p:cNvPr id="10" name="Picture 9">
+            <a:extLst>
+              <a:ext uri="{FF2B5EF4-FFF2-40B4-BE49-F238E27FC236}">
+                <a16:creationId xmlns:a16="http://schemas.microsoft.com/office/drawing/2014/main" id="{31B0239F-C8A3-B987-A25E-DCAC3C75862E}"/>
+              </a:ext>
+            </a:extLst>
+          </p:cNvPr>
+          <p:cNvPicPr>
+            <a:picLocks noChangeAspect="1"/>
+          </p:cNvPicPr>
+          <p:nvPr/>
+        </p:nvPicPr>
+        <p:blipFill>
+          <a:blip r:embed="rId4"/>
+          <a:stretch>
+            <a:fillRect/>
+          </a:stretch>
+        </p:blipFill>
+        <p:spPr>
+          <a:xfrm>
+            <a:off x="5092436" y="1606817"/>
+            <a:ext cx="3436918" cy="876376"/>
+          </a:xfrm>
+          <a:prstGeom prst="rect">
+            <a:avLst/>
+          </a:prstGeom>
+        </p:spPr>
+      </p:pic>
+      <p:cxnSp>
+        <p:nvCxnSpPr>
+          <p:cNvPr id="11" name="Straight Arrow Connector 10">
+            <a:extLst>
+              <a:ext uri="{FF2B5EF4-FFF2-40B4-BE49-F238E27FC236}">
+                <a16:creationId xmlns:a16="http://schemas.microsoft.com/office/drawing/2014/main" id="{848466F0-D15F-7DD5-B3F5-952374B8AE74}"/>
+              </a:ext>
+            </a:extLst>
+          </p:cNvPr>
+          <p:cNvCxnSpPr>
+            <a:cxnSpLocks/>
+            <a:endCxn id="10" idx="1"/>
+          </p:cNvCxnSpPr>
+          <p:nvPr/>
+        </p:nvCxnSpPr>
+        <p:spPr>
+          <a:xfrm>
+            <a:off x="3967939" y="1898078"/>
+            <a:ext cx="1124497" cy="146927"/>
+          </a:xfrm>
+          <a:prstGeom prst="straightConnector1">
+            <a:avLst/>
+          </a:prstGeom>
+          <a:ln>
+            <a:tailEnd type="triangle"/>
+          </a:ln>
+        </p:spPr>
+        <p:style>
+          <a:lnRef idx="2">
+            <a:schemeClr val="accent1"/>
+          </a:lnRef>
+          <a:fillRef idx="0">
+            <a:schemeClr val="accent1"/>
+          </a:fillRef>
+          <a:effectRef idx="1">
+            <a:schemeClr val="accent1"/>
+          </a:effectRef>
+          <a:fontRef idx="minor">
+            <a:schemeClr val="tx1"/>
+          </a:fontRef>
+        </p:style>
+      </p:cxnSp>
+      <p:cxnSp>
+        <p:nvCxnSpPr>
+          <p:cNvPr id="15" name="Straight Arrow Connector 14">
+            <a:extLst>
+              <a:ext uri="{FF2B5EF4-FFF2-40B4-BE49-F238E27FC236}">
+                <a16:creationId xmlns:a16="http://schemas.microsoft.com/office/drawing/2014/main" id="{FA398B36-1830-D39C-4319-C43A58400562}"/>
+              </a:ext>
+            </a:extLst>
+          </p:cNvPr>
+          <p:cNvCxnSpPr>
+            <a:cxnSpLocks/>
+          </p:cNvCxnSpPr>
+          <p:nvPr/>
+        </p:nvCxnSpPr>
+        <p:spPr>
+          <a:xfrm flipV="1">
+            <a:off x="6190208" y="2045005"/>
+            <a:ext cx="2546468" cy="712054"/>
+          </a:xfrm>
+          <a:prstGeom prst="straightConnector1">
+            <a:avLst/>
+          </a:prstGeom>
+          <a:ln>
+            <a:tailEnd type="triangle"/>
+          </a:ln>
+        </p:spPr>
+        <p:style>
+          <a:lnRef idx="2">
+            <a:schemeClr val="accent1"/>
+          </a:lnRef>
+          <a:fillRef idx="0">
+            <a:schemeClr val="accent1"/>
+          </a:fillRef>
+          <a:effectRef idx="1">
+            <a:schemeClr val="accent1"/>
+          </a:effectRef>
+          <a:fontRef idx="minor">
+            <a:schemeClr val="tx1"/>
+          </a:fontRef>
+        </p:style>
+      </p:cxnSp>
+      <p:cxnSp>
+        <p:nvCxnSpPr>
+          <p:cNvPr id="17" name="Straight Arrow Connector 16">
+            <a:extLst>
+              <a:ext uri="{FF2B5EF4-FFF2-40B4-BE49-F238E27FC236}">
+                <a16:creationId xmlns:a16="http://schemas.microsoft.com/office/drawing/2014/main" id="{75501CC3-9677-6941-03E0-6D168F531F09}"/>
+              </a:ext>
+            </a:extLst>
+          </p:cNvPr>
+          <p:cNvCxnSpPr>
+            <a:cxnSpLocks/>
+          </p:cNvCxnSpPr>
+          <p:nvPr/>
+        </p:nvCxnSpPr>
+        <p:spPr>
+          <a:xfrm flipV="1">
+            <a:off x="8939446" y="1673635"/>
+            <a:ext cx="312617" cy="266712"/>
+          </a:xfrm>
+          <a:prstGeom prst="straightConnector1">
+            <a:avLst/>
+          </a:prstGeom>
+          <a:ln>
+            <a:tailEnd type="triangle"/>
+          </a:ln>
+        </p:spPr>
+        <p:style>
+          <a:lnRef idx="2">
+            <a:schemeClr val="accent1"/>
+          </a:lnRef>
+          <a:fillRef idx="0">
+            <a:schemeClr val="accent1"/>
+          </a:fillRef>
+          <a:effectRef idx="1">
+            <a:schemeClr val="accent1"/>
+          </a:effectRef>
+          <a:fontRef idx="minor">
+            <a:schemeClr val="tx1"/>
+          </a:fontRef>
+        </p:style>
+      </p:cxnSp>
+      <p:cxnSp>
+        <p:nvCxnSpPr>
+          <p:cNvPr id="23" name="Straight Arrow Connector 22">
+            <a:extLst>
+              <a:ext uri="{FF2B5EF4-FFF2-40B4-BE49-F238E27FC236}">
+                <a16:creationId xmlns:a16="http://schemas.microsoft.com/office/drawing/2014/main" id="{7A879B18-69D6-331D-5A8A-F09E3601005D}"/>
+              </a:ext>
+            </a:extLst>
+          </p:cNvPr>
+          <p:cNvCxnSpPr>
+            <a:cxnSpLocks/>
+          </p:cNvCxnSpPr>
+          <p:nvPr/>
+        </p:nvCxnSpPr>
+        <p:spPr>
+          <a:xfrm>
+            <a:off x="5644338" y="3183778"/>
+            <a:ext cx="3607725" cy="160579"/>
+          </a:xfrm>
+          <a:prstGeom prst="straightConnector1">
+            <a:avLst/>
+          </a:prstGeom>
+          <a:ln>
+            <a:tailEnd type="triangle"/>
+          </a:ln>
+        </p:spPr>
+        <p:style>
+          <a:lnRef idx="2">
+            <a:schemeClr val="accent1"/>
+          </a:lnRef>
+          <a:fillRef idx="0">
+            <a:schemeClr val="accent1"/>
+          </a:fillRef>
+          <a:effectRef idx="1">
+            <a:schemeClr val="accent1"/>
+          </a:effectRef>
+          <a:fontRef idx="minor">
+            <a:schemeClr val="tx1"/>
+          </a:fontRef>
+        </p:style>
+      </p:cxnSp>
+      <p:pic>
+        <p:nvPicPr>
+          <p:cNvPr id="30" name="Picture 29">
+            <a:extLst>
+              <a:ext uri="{FF2B5EF4-FFF2-40B4-BE49-F238E27FC236}">
+                <a16:creationId xmlns:a16="http://schemas.microsoft.com/office/drawing/2014/main" id="{2F0956E2-365F-7318-AAC2-EB064203937D}"/>
+              </a:ext>
+            </a:extLst>
+          </p:cNvPr>
+          <p:cNvPicPr>
+            <a:picLocks noChangeAspect="1"/>
+          </p:cNvPicPr>
+          <p:nvPr/>
+        </p:nvPicPr>
+        <p:blipFill>
+          <a:blip r:embed="rId5"/>
+          <a:stretch>
+            <a:fillRect/>
+          </a:stretch>
+        </p:blipFill>
+        <p:spPr>
+          <a:xfrm>
+            <a:off x="7044374" y="3450712"/>
+            <a:ext cx="4854361" cy="1455546"/>
+          </a:xfrm>
+          <a:prstGeom prst="rect">
+            <a:avLst/>
+          </a:prstGeom>
+        </p:spPr>
+      </p:pic>
+      <p:cxnSp>
+        <p:nvCxnSpPr>
+          <p:cNvPr id="27" name="Straight Arrow Connector 26">
+            <a:extLst>
+              <a:ext uri="{FF2B5EF4-FFF2-40B4-BE49-F238E27FC236}">
+                <a16:creationId xmlns:a16="http://schemas.microsoft.com/office/drawing/2014/main" id="{3CE2FF02-3CC0-BC0C-77CD-01DA6D0985F3}"/>
+              </a:ext>
+            </a:extLst>
+          </p:cNvPr>
+          <p:cNvCxnSpPr>
+            <a:cxnSpLocks/>
+          </p:cNvCxnSpPr>
+          <p:nvPr/>
+        </p:nvCxnSpPr>
+        <p:spPr>
+          <a:xfrm flipV="1">
+            <a:off x="4948843" y="3636310"/>
+            <a:ext cx="4610793" cy="389822"/>
+          </a:xfrm>
+          <a:prstGeom prst="straightConnector1">
+            <a:avLst/>
+          </a:prstGeom>
+          <a:ln>
+            <a:tailEnd type="triangle"/>
+          </a:ln>
+        </p:spPr>
+        <p:style>
+          <a:lnRef idx="2">
+            <a:schemeClr val="accent1"/>
+          </a:lnRef>
+          <a:fillRef idx="0">
+            <a:schemeClr val="accent1"/>
+          </a:fillRef>
+          <a:effectRef idx="1">
+            <a:schemeClr val="accent1"/>
+          </a:effectRef>
+          <a:fontRef idx="minor">
+            <a:schemeClr val="tx1"/>
+          </a:fontRef>
+        </p:style>
+      </p:cxnSp>
+      <p:cxnSp>
+        <p:nvCxnSpPr>
+          <p:cNvPr id="32" name="Straight Arrow Connector 31">
+            <a:extLst>
+              <a:ext uri="{FF2B5EF4-FFF2-40B4-BE49-F238E27FC236}">
+                <a16:creationId xmlns:a16="http://schemas.microsoft.com/office/drawing/2014/main" id="{AB2A9F9C-E126-4C00-FC7D-D0A6829E8CF3}"/>
+              </a:ext>
+            </a:extLst>
+          </p:cNvPr>
+          <p:cNvCxnSpPr>
+            <a:cxnSpLocks/>
+          </p:cNvCxnSpPr>
+          <p:nvPr/>
+        </p:nvCxnSpPr>
+        <p:spPr>
+          <a:xfrm flipV="1">
+            <a:off x="6123710" y="4000490"/>
+            <a:ext cx="4262865" cy="460675"/>
+          </a:xfrm>
+          <a:prstGeom prst="straightConnector1">
+            <a:avLst/>
+          </a:prstGeom>
+          <a:ln>
+            <a:tailEnd type="triangle"/>
+          </a:ln>
+        </p:spPr>
+        <p:style>
+          <a:lnRef idx="2">
+            <a:schemeClr val="accent1"/>
+          </a:lnRef>
+          <a:fillRef idx="0">
+            <a:schemeClr val="accent1"/>
+          </a:fillRef>
+          <a:effectRef idx="1">
+            <a:schemeClr val="accent1"/>
+          </a:effectRef>
+          <a:fontRef idx="minor">
+            <a:schemeClr val="tx1"/>
+          </a:fontRef>
+        </p:style>
+      </p:cxnSp>
+      <p:cxnSp>
+        <p:nvCxnSpPr>
+          <p:cNvPr id="34" name="Straight Arrow Connector 33">
+            <a:extLst>
+              <a:ext uri="{FF2B5EF4-FFF2-40B4-BE49-F238E27FC236}">
+                <a16:creationId xmlns:a16="http://schemas.microsoft.com/office/drawing/2014/main" id="{025FFADC-C77A-69FC-A49A-FC03D80E92F2}"/>
+              </a:ext>
+            </a:extLst>
+          </p:cNvPr>
+          <p:cNvCxnSpPr>
+            <a:cxnSpLocks/>
+          </p:cNvCxnSpPr>
+          <p:nvPr/>
+        </p:nvCxnSpPr>
+        <p:spPr>
+          <a:xfrm flipV="1">
+            <a:off x="5727467" y="4770287"/>
+            <a:ext cx="1526772" cy="109284"/>
+          </a:xfrm>
+          <a:prstGeom prst="straightConnector1">
+            <a:avLst/>
+          </a:prstGeom>
+          <a:ln>
+            <a:tailEnd type="triangle"/>
+          </a:ln>
+        </p:spPr>
+        <p:style>
+          <a:lnRef idx="2">
+            <a:schemeClr val="accent1"/>
+          </a:lnRef>
+          <a:fillRef idx="0">
+            <a:schemeClr val="accent1"/>
+          </a:fillRef>
+          <a:effectRef idx="1">
+            <a:schemeClr val="accent1"/>
+          </a:effectRef>
+          <a:fontRef idx="minor">
+            <a:schemeClr val="tx1"/>
+          </a:fontRef>
+        </p:style>
+      </p:cxnSp>
+      <p:pic>
+        <p:nvPicPr>
+          <p:cNvPr id="37" name="Picture 36">
+            <a:extLst>
+              <a:ext uri="{FF2B5EF4-FFF2-40B4-BE49-F238E27FC236}">
+                <a16:creationId xmlns:a16="http://schemas.microsoft.com/office/drawing/2014/main" id="{3B11CC93-B30F-5495-92B9-6075A2BF0F70}"/>
+              </a:ext>
+            </a:extLst>
+          </p:cNvPr>
+          <p:cNvPicPr>
+            <a:picLocks noChangeAspect="1"/>
+          </p:cNvPicPr>
+          <p:nvPr/>
+        </p:nvPicPr>
+        <p:blipFill>
+          <a:blip r:embed="rId6"/>
+          <a:stretch>
+            <a:fillRect/>
+          </a:stretch>
+        </p:blipFill>
+        <p:spPr>
+          <a:xfrm>
+            <a:off x="8533960" y="4719329"/>
+            <a:ext cx="3436918" cy="2087125"/>
+          </a:xfrm>
+          <a:prstGeom prst="rect">
+            <a:avLst/>
+          </a:prstGeom>
+          <a:ln>
+            <a:solidFill>
+              <a:schemeClr val="accent1"/>
+            </a:solidFill>
+          </a:ln>
+        </p:spPr>
+      </p:pic>
+      <p:cxnSp>
+        <p:nvCxnSpPr>
+          <p:cNvPr id="38" name="Straight Arrow Connector 37">
+            <a:extLst>
+              <a:ext uri="{FF2B5EF4-FFF2-40B4-BE49-F238E27FC236}">
+                <a16:creationId xmlns:a16="http://schemas.microsoft.com/office/drawing/2014/main" id="{5C69CD3B-E999-D42B-D91E-95AF1C7AA269}"/>
+              </a:ext>
+            </a:extLst>
+          </p:cNvPr>
+          <p:cNvCxnSpPr>
+            <a:cxnSpLocks/>
+          </p:cNvCxnSpPr>
+          <p:nvPr/>
+        </p:nvCxnSpPr>
+        <p:spPr>
+          <a:xfrm>
+            <a:off x="7490457" y="5759340"/>
+            <a:ext cx="1183572" cy="657283"/>
+          </a:xfrm>
+          <a:prstGeom prst="straightConnector1">
+            <a:avLst/>
+          </a:prstGeom>
+          <a:ln>
+            <a:tailEnd type="triangle"/>
+          </a:ln>
+        </p:spPr>
+        <p:style>
+          <a:lnRef idx="2">
+            <a:schemeClr val="accent1"/>
+          </a:lnRef>
+          <a:fillRef idx="0">
+            <a:schemeClr val="accent1"/>
+          </a:fillRef>
+          <a:effectRef idx="1">
+            <a:schemeClr val="accent1"/>
+          </a:effectRef>
+          <a:fontRef idx="minor">
+            <a:schemeClr val="tx1"/>
+          </a:fontRef>
+        </p:style>
+      </p:cxnSp>
+      <p:cxnSp>
+        <p:nvCxnSpPr>
+          <p:cNvPr id="40" name="Straight Arrow Connector 39">
+            <a:extLst>
+              <a:ext uri="{FF2B5EF4-FFF2-40B4-BE49-F238E27FC236}">
+                <a16:creationId xmlns:a16="http://schemas.microsoft.com/office/drawing/2014/main" id="{24F02401-B31B-616A-85CA-B0BBDE26B710}"/>
+              </a:ext>
+            </a:extLst>
+          </p:cNvPr>
+          <p:cNvCxnSpPr>
+            <a:cxnSpLocks/>
+          </p:cNvCxnSpPr>
+          <p:nvPr/>
+        </p:nvCxnSpPr>
+        <p:spPr>
+          <a:xfrm flipV="1">
+            <a:off x="8736676" y="5164422"/>
+            <a:ext cx="440768" cy="1202263"/>
+          </a:xfrm>
+          <a:prstGeom prst="straightConnector1">
+            <a:avLst/>
+          </a:prstGeom>
+          <a:ln>
+            <a:tailEnd type="triangle"/>
+          </a:ln>
+        </p:spPr>
+        <p:style>
+          <a:lnRef idx="2">
+            <a:schemeClr val="accent1"/>
+          </a:lnRef>
+          <a:fillRef idx="0">
+            <a:schemeClr val="accent1"/>
+          </a:fillRef>
+          <a:effectRef idx="1">
+            <a:schemeClr val="accent1"/>
+          </a:effectRef>
+          <a:fontRef idx="minor">
+            <a:schemeClr val="tx1"/>
+          </a:fontRef>
+        </p:style>
+      </p:cxnSp>
+      <p:cxnSp>
+        <p:nvCxnSpPr>
+          <p:cNvPr id="43" name="Straight Arrow Connector 42">
+            <a:extLst>
+              <a:ext uri="{FF2B5EF4-FFF2-40B4-BE49-F238E27FC236}">
+                <a16:creationId xmlns:a16="http://schemas.microsoft.com/office/drawing/2014/main" id="{A9E3FB8B-E32C-F882-E8C7-08209B8DA39E}"/>
+              </a:ext>
+            </a:extLst>
+          </p:cNvPr>
+          <p:cNvCxnSpPr>
+            <a:cxnSpLocks/>
+          </p:cNvCxnSpPr>
+          <p:nvPr/>
+        </p:nvCxnSpPr>
+        <p:spPr>
+          <a:xfrm flipV="1">
+            <a:off x="6205839" y="5179249"/>
+            <a:ext cx="3925297" cy="1026864"/>
+          </a:xfrm>
+          <a:prstGeom prst="straightConnector1">
+            <a:avLst/>
+          </a:prstGeom>
+          <a:ln>
+            <a:tailEnd type="triangle"/>
+          </a:ln>
+        </p:spPr>
+        <p:style>
+          <a:lnRef idx="2">
+            <a:schemeClr val="accent1"/>
+          </a:lnRef>
+          <a:fillRef idx="0">
+            <a:schemeClr val="accent1"/>
+          </a:fillRef>
+          <a:effectRef idx="1">
+            <a:schemeClr val="accent1"/>
+          </a:effectRef>
+          <a:fontRef idx="minor">
+            <a:schemeClr val="tx1"/>
+          </a:fontRef>
+        </p:style>
+      </p:cxnSp>
+    </p:spTree>
+    <p:extLst>
+      <p:ext uri="{BB962C8B-B14F-4D97-AF65-F5344CB8AC3E}">
+        <p14:creationId xmlns:p14="http://schemas.microsoft.com/office/powerpoint/2010/main" val="3401992282"/>
+      </p:ext>
+    </p:extLst>
+  </p:cSld>
+  <p:clrMapOvr>
+    <a:masterClrMapping/>
+  </p:clrMapOvr>
+</p:sld>
+</file>
+
 <file path=ppt/theme/theme1.xml><?xml version="1.0" encoding="utf-8"?>
 <a:theme xmlns:a="http://schemas.openxmlformats.org/drawingml/2006/main" name="Office Theme">
   <a:themeElements>
